--- a/File-compression-using-Huffman-encoding/FileCompression_Presentation.pptx
+++ b/File-compression-using-Huffman-encoding/FileCompression_Presentation.pptx
@@ -293,6 +293,66 @@
     </p:ext>
   </p:extLst>
 </p:presentation>
+</file>
+
+<file path=ppt/revisionInfo.xml><?xml version="1.0" encoding="utf-8"?>
+<p1510:revInfo xmlns:a="http://schemas.openxmlformats.org/drawingml/2006/main" xmlns:r="http://schemas.openxmlformats.org/officeDocument/2006/relationships" xmlns:p1510="http://schemas.microsoft.com/office/powerpoint/2015/10/main">
+  <p1510:revLst>
+    <p1510:client id="{9C2871A1-8BFB-4428-8C0A-F60A226C7700}" v="8" dt="2025-07-02T07:32:18.654"/>
+  </p1510:revLst>
+</p1510:revInfo>
+</file>
+
+<file path=ppt/changesInfos/changesInfo1.xml><?xml version="1.0" encoding="utf-8"?>
+<pc:chgInfo xmlns:a="http://schemas.openxmlformats.org/drawingml/2006/main" xmlns:r="http://schemas.openxmlformats.org/officeDocument/2006/relationships" xmlns:ac="http://schemas.microsoft.com/office/drawing/2013/main/command" xmlns:pc="http://schemas.microsoft.com/office/powerpoint/2013/main/command">
+  <pc:docChgLst>
+    <pc:chgData name="Nishanth Sanjay" userId="d22eec9348dc9555" providerId="LiveId" clId="{9C2871A1-8BFB-4428-8C0A-F60A226C7700}"/>
+    <pc:docChg chg="undo custSel modSld">
+      <pc:chgData name="Nishanth Sanjay" userId="d22eec9348dc9555" providerId="LiveId" clId="{9C2871A1-8BFB-4428-8C0A-F60A226C7700}" dt="2025-07-02T07:32:22.945" v="125" actId="20577"/>
+      <pc:docMkLst>
+        <pc:docMk/>
+      </pc:docMkLst>
+      <pc:sldChg chg="modSp mod">
+        <pc:chgData name="Nishanth Sanjay" userId="d22eec9348dc9555" providerId="LiveId" clId="{9C2871A1-8BFB-4428-8C0A-F60A226C7700}" dt="2025-07-02T07:29:04.742" v="72" actId="313"/>
+        <pc:sldMkLst>
+          <pc:docMk/>
+          <pc:sldMk cId="0" sldId="264"/>
+        </pc:sldMkLst>
+        <pc:spChg chg="mod">
+          <ac:chgData name="Nishanth Sanjay" userId="d22eec9348dc9555" providerId="LiveId" clId="{9C2871A1-8BFB-4428-8C0A-F60A226C7700}" dt="2025-07-02T07:26:01.055" v="6" actId="27636"/>
+          <ac:spMkLst>
+            <pc:docMk/>
+            <pc:sldMk cId="0" sldId="264"/>
+            <ac:spMk id="334" creationId="{00000000-0000-0000-0000-000000000000}"/>
+          </ac:spMkLst>
+        </pc:spChg>
+        <pc:spChg chg="mod">
+          <ac:chgData name="Nishanth Sanjay" userId="d22eec9348dc9555" providerId="LiveId" clId="{9C2871A1-8BFB-4428-8C0A-F60A226C7700}" dt="2025-07-02T07:29:04.742" v="72" actId="313"/>
+          <ac:spMkLst>
+            <pc:docMk/>
+            <pc:sldMk cId="0" sldId="264"/>
+            <ac:spMk id="335" creationId="{00000000-0000-0000-0000-000000000000}"/>
+          </ac:spMkLst>
+        </pc:spChg>
+      </pc:sldChg>
+      <pc:sldChg chg="modSp mod modNotes">
+        <pc:chgData name="Nishanth Sanjay" userId="d22eec9348dc9555" providerId="LiveId" clId="{9C2871A1-8BFB-4428-8C0A-F60A226C7700}" dt="2025-07-02T07:32:22.945" v="125" actId="20577"/>
+        <pc:sldMkLst>
+          <pc:docMk/>
+          <pc:sldMk cId="0" sldId="265"/>
+        </pc:sldMkLst>
+        <pc:spChg chg="mod">
+          <ac:chgData name="Nishanth Sanjay" userId="d22eec9348dc9555" providerId="LiveId" clId="{9C2871A1-8BFB-4428-8C0A-F60A226C7700}" dt="2025-07-02T07:32:22.945" v="125" actId="20577"/>
+          <ac:spMkLst>
+            <pc:docMk/>
+            <pc:sldMk cId="0" sldId="265"/>
+            <ac:spMk id="341" creationId="{00000000-0000-0000-0000-000000000000}"/>
+          </ac:spMkLst>
+        </pc:spChg>
+      </pc:sldChg>
+    </pc:docChg>
+  </pc:docChgLst>
+</pc:chgInfo>
 </file>
 
 <file path=ppt/notesMasters/notesMaster1.xml><?xml version="1.0" encoding="utf-8"?>
@@ -869,7 +929,7 @@
         </p:nvSpPr>
         <p:spPr>
           <a:xfrm>
-            <a:off x="381300" y="685800"/>
+            <a:off x="381000" y="685800"/>
             <a:ext cx="6096000" cy="3429000"/>
           </a:xfrm>
           <a:custGeom>
@@ -16374,17 +16434,11 @@
           </a:bodyPr>
           <a:lstStyle/>
           <a:p>
-            <a:pPr marL="0" lvl="0" indent="0" algn="l" rtl="0">
-              <a:spcBef>
-                <a:spcPts val="0"/>
-              </a:spcBef>
-              <a:spcAft>
-                <a:spcPts val="0"/>
-              </a:spcAft>
+            <a:pPr marL="0" lvl="0" indent="0">
               <a:buNone/>
             </a:pPr>
             <a:r>
-              <a:rPr lang="en-GB" sz="1500" b="1">
+              <a:rPr lang="en-GB" sz="1500" b="1" dirty="0">
                 <a:latin typeface="Arial"/>
                 <a:ea typeface="Arial"/>
                 <a:cs typeface="Arial"/>
@@ -16393,15 +16447,70 @@
               <a:t>Encoding: </a:t>
             </a:r>
             <a:r>
-              <a:rPr lang="en-GB" sz="1500">
+              <a:rPr lang="en-US" sz="1500" dirty="0">
                 <a:latin typeface="Arial"/>
                 <a:ea typeface="Arial"/>
                 <a:cs typeface="Arial"/>
                 <a:sym typeface="Arial"/>
               </a:rPr>
-              <a:t>The traverseHuffmanTree function recursively traverses the Huffman tree to generate codewords for each character. It appends "0" for a left branch and "1" for a right branch.</a:t>
+              <a:t> The ‘traverse()’ function recursively traverses the Huffman tree to generate codewords for each character, appending '0' for a left branch and '1' for a right branch.-</a:t>
             </a:r>
-            <a:endParaRPr sz="1500">
+          </a:p>
+          <a:p>
+            <a:pPr marL="0" lvl="0" indent="0">
+              <a:buNone/>
+            </a:pPr>
+            <a:r>
+              <a:rPr lang="en-US" sz="1500" dirty="0">
+                <a:latin typeface="Arial"/>
+                <a:ea typeface="Arial"/>
+                <a:cs typeface="Arial"/>
+                <a:sym typeface="Arial"/>
+              </a:rPr>
+              <a:t>The ‘</a:t>
+            </a:r>
+            <a:r>
+              <a:rPr lang="en-US" sz="1500" dirty="0" err="1">
+                <a:latin typeface="Arial"/>
+                <a:ea typeface="Arial"/>
+                <a:cs typeface="Arial"/>
+                <a:sym typeface="Arial"/>
+              </a:rPr>
+              <a:t>createCodes</a:t>
+            </a:r>
+            <a:r>
+              <a:rPr lang="en-US" sz="1500" dirty="0">
+                <a:latin typeface="Arial"/>
+                <a:ea typeface="Arial"/>
+                <a:cs typeface="Arial"/>
+                <a:sym typeface="Arial"/>
+              </a:rPr>
+              <a:t>()’ method initiates the code assignment for all characters present in the input. ‘</a:t>
+            </a:r>
+            <a:r>
+              <a:rPr lang="en-US" sz="1500" dirty="0" err="1">
+                <a:latin typeface="Arial"/>
+                <a:ea typeface="Arial"/>
+                <a:cs typeface="Arial"/>
+                <a:sym typeface="Arial"/>
+              </a:rPr>
+              <a:t>saveEncodedFile</a:t>
+            </a:r>
+            <a:r>
+              <a:rPr lang="en-US" sz="1500" dirty="0">
+                <a:latin typeface="Arial"/>
+                <a:ea typeface="Arial"/>
+                <a:cs typeface="Arial"/>
+                <a:sym typeface="Arial"/>
+              </a:rPr>
+              <a:t>()’ writes the compressed data and the serialized Huffman tree (as metadata) to the output file, including padding information required for decompression.</a:t>
+            </a:r>
+          </a:p>
+          <a:p>
+            <a:pPr marL="0" lvl="0" indent="0">
+              <a:buNone/>
+            </a:pPr>
+            <a:endParaRPr lang="en-US" sz="1500" dirty="0">
               <a:latin typeface="Arial"/>
               <a:ea typeface="Arial"/>
               <a:cs typeface="Arial"/>
@@ -16409,43 +16518,11 @@
             </a:endParaRPr>
           </a:p>
           <a:p>
-            <a:pPr marL="0" lvl="0" indent="0" algn="l" rtl="0">
-              <a:spcBef>
-                <a:spcPts val="1200"/>
-              </a:spcBef>
-              <a:spcAft>
-                <a:spcPts val="0"/>
-              </a:spcAft>
+            <a:pPr marL="0" lvl="0" indent="0">
               <a:buNone/>
             </a:pPr>
             <a:r>
-              <a:rPr lang="en-GB" sz="1500">
-                <a:latin typeface="Arial"/>
-                <a:ea typeface="Arial"/>
-                <a:cs typeface="Arial"/>
-                <a:sym typeface="Arial"/>
-              </a:rPr>
-              <a:t>compressFile reads the input file, constructs the Huffman tree, generates codewords, and writes the compressed data to an output file along with a header containing information needed for decompression.</a:t>
-            </a:r>
-            <a:endParaRPr sz="1500">
-              <a:latin typeface="Arial"/>
-              <a:ea typeface="Arial"/>
-              <a:cs typeface="Arial"/>
-              <a:sym typeface="Arial"/>
-            </a:endParaRPr>
-          </a:p>
-          <a:p>
-            <a:pPr marL="0" lvl="0" indent="0" algn="l" rtl="0">
-              <a:spcBef>
-                <a:spcPts val="1200"/>
-              </a:spcBef>
-              <a:spcAft>
-                <a:spcPts val="0"/>
-              </a:spcAft>
-              <a:buNone/>
-            </a:pPr>
-            <a:r>
-              <a:rPr lang="en-GB" sz="1500" b="1">
+              <a:rPr lang="en-GB" sz="1500" b="1" dirty="0">
                 <a:latin typeface="Arial"/>
                 <a:ea typeface="Arial"/>
                 <a:cs typeface="Arial"/>
@@ -16454,15 +16531,88 @@
               <a:t>Decoding: </a:t>
             </a:r>
             <a:r>
-              <a:rPr lang="en-GB" sz="1500">
+              <a:rPr lang="en-US" sz="1500" dirty="0">
                 <a:latin typeface="Arial"/>
                 <a:ea typeface="Arial"/>
                 <a:cs typeface="Arial"/>
                 <a:sym typeface="Arial"/>
               </a:rPr>
-              <a:t>readHeader reads the header from the compressed file, extracting the Huffman codes and the number of padded bits.</a:t>
+              <a:t> The ‘</a:t>
             </a:r>
-            <a:endParaRPr sz="1500">
+            <a:r>
+              <a:rPr lang="en-US" sz="1500" dirty="0" err="1">
+                <a:latin typeface="Arial"/>
+                <a:ea typeface="Arial"/>
+                <a:cs typeface="Arial"/>
+                <a:sym typeface="Arial"/>
+              </a:rPr>
+              <a:t>getTree</a:t>
+            </a:r>
+            <a:r>
+              <a:rPr lang="en-US" sz="1500" dirty="0">
+                <a:latin typeface="Arial"/>
+                <a:ea typeface="Arial"/>
+                <a:cs typeface="Arial"/>
+                <a:sym typeface="Arial"/>
+              </a:rPr>
+              <a:t>()’ method reconstructs the Huffman tree from the metadata stored in the compressed file.</a:t>
+            </a:r>
+          </a:p>
+          <a:p>
+            <a:pPr marL="0" lvl="0" indent="0">
+              <a:buNone/>
+            </a:pPr>
+            <a:r>
+              <a:rPr lang="en-US" sz="1500" dirty="0">
+                <a:latin typeface="Arial"/>
+                <a:ea typeface="Arial"/>
+                <a:cs typeface="Arial"/>
+                <a:sym typeface="Arial"/>
+              </a:rPr>
+              <a:t>The ‘</a:t>
+            </a:r>
+            <a:r>
+              <a:rPr lang="en-US" sz="1500" dirty="0" err="1">
+                <a:latin typeface="Arial"/>
+                <a:ea typeface="Arial"/>
+                <a:cs typeface="Arial"/>
+                <a:sym typeface="Arial"/>
+              </a:rPr>
+              <a:t>saveDecodedFile</a:t>
+            </a:r>
+            <a:r>
+              <a:rPr lang="en-US" sz="1500" dirty="0">
+                <a:latin typeface="Arial"/>
+                <a:ea typeface="Arial"/>
+                <a:cs typeface="Arial"/>
+                <a:sym typeface="Arial"/>
+              </a:rPr>
+              <a:t>()’ method reads the compressed data, decodes it using the reconstructed Huffman tree, and writes the original content to the output file.</a:t>
+            </a:r>
+          </a:p>
+          <a:p>
+            <a:pPr marL="0" lvl="0" indent="0">
+              <a:buNone/>
+            </a:pPr>
+            <a:r>
+              <a:rPr lang="en-GB" sz="1500" dirty="0" err="1">
+                <a:latin typeface="Arial"/>
+                <a:ea typeface="Arial"/>
+                <a:cs typeface="Arial"/>
+                <a:sym typeface="Arial"/>
+              </a:rPr>
+              <a:t>DecompressFile</a:t>
+            </a:r>
+            <a:r>
+              <a:rPr lang="en-GB" sz="1500" dirty="0">
+                <a:latin typeface="Arial"/>
+                <a:ea typeface="Arial"/>
+                <a:cs typeface="Arial"/>
+                <a:sym typeface="Arial"/>
+              </a:rPr>
+              <a:t> reads the compressed file, extracts the Huffman codes from the header, and writes the decompressed data to an output file.</a:t>
+            </a:r>
+            <a:endParaRPr sz="1500" dirty="0">
               <a:latin typeface="Arial"/>
               <a:ea typeface="Arial"/>
               <a:cs typeface="Arial"/>
@@ -16470,69 +16620,14 @@
             </a:endParaRPr>
           </a:p>
           <a:p>
-            <a:pPr marL="0" lvl="0" indent="0" algn="l" rtl="0">
+            <a:pPr marL="0" lvl="0" indent="0">
               <a:spcBef>
                 <a:spcPts val="1200"/>
               </a:spcBef>
-              <a:spcAft>
-                <a:spcPts val="0"/>
-              </a:spcAft>
               <a:buNone/>
             </a:pPr>
             <a:r>
-              <a:rPr lang="en-GB" sz="1500">
-                <a:latin typeface="Arial"/>
-                <a:ea typeface="Arial"/>
-                <a:cs typeface="Arial"/>
-                <a:sym typeface="Arial"/>
-              </a:rPr>
-              <a:t>getDecodedBuffer decodes the compressed bitstring back to the original characters using the Huffman codes.</a:t>
-            </a:r>
-            <a:endParaRPr sz="1500">
-              <a:latin typeface="Arial"/>
-              <a:ea typeface="Arial"/>
-              <a:cs typeface="Arial"/>
-              <a:sym typeface="Arial"/>
-            </a:endParaRPr>
-          </a:p>
-          <a:p>
-            <a:pPr marL="0" lvl="0" indent="0" algn="l" rtl="0">
-              <a:spcBef>
-                <a:spcPts val="1200"/>
-              </a:spcBef>
-              <a:spcAft>
-                <a:spcPts val="0"/>
-              </a:spcAft>
-              <a:buNone/>
-            </a:pPr>
-            <a:r>
-              <a:rPr lang="en-GB" sz="1500">
-                <a:latin typeface="Arial"/>
-                <a:ea typeface="Arial"/>
-                <a:cs typeface="Arial"/>
-                <a:sym typeface="Arial"/>
-              </a:rPr>
-              <a:t>decompressFile reads the compressed file, extracts the Huffman codes from the header, and writes the decompressed data to an output file.</a:t>
-            </a:r>
-            <a:endParaRPr sz="1500">
-              <a:latin typeface="Arial"/>
-              <a:ea typeface="Arial"/>
-              <a:cs typeface="Arial"/>
-              <a:sym typeface="Arial"/>
-            </a:endParaRPr>
-          </a:p>
-          <a:p>
-            <a:pPr marL="0" lvl="0" indent="0" algn="l" rtl="0">
-              <a:spcBef>
-                <a:spcPts val="1200"/>
-              </a:spcBef>
-              <a:spcAft>
-                <a:spcPts val="0"/>
-              </a:spcAft>
-              <a:buNone/>
-            </a:pPr>
-            <a:r>
-              <a:rPr lang="en-GB" sz="1500" b="1">
+              <a:rPr lang="en-GB" sz="1500" b="1" dirty="0">
                 <a:latin typeface="Arial"/>
                 <a:ea typeface="Arial"/>
                 <a:cs typeface="Arial"/>
@@ -16541,58 +16636,51 @@
               <a:t>Main Function: </a:t>
             </a:r>
             <a:r>
-              <a:rPr lang="en-GB" sz="1500">
+              <a:rPr lang="en-US" sz="1500" dirty="0">
                 <a:latin typeface="Arial"/>
                 <a:ea typeface="Arial"/>
                 <a:cs typeface="Arial"/>
                 <a:sym typeface="Arial"/>
               </a:rPr>
-              <a:t>The main function takes command-line arguments for input and output file paths. If no arguments are provided, it uses default file paths.</a:t>
+              <a:t>The main function takes input and output file paths as command-line arguments. There are separate programs for compression (`</a:t>
             </a:r>
-            <a:endParaRPr sz="1500">
-              <a:latin typeface="Arial"/>
-              <a:ea typeface="Arial"/>
-              <a:cs typeface="Arial"/>
-              <a:sym typeface="Arial"/>
-            </a:endParaRPr>
-          </a:p>
-          <a:p>
-            <a:pPr marL="0" lvl="0" indent="0" algn="l" rtl="0">
-              <a:spcBef>
-                <a:spcPts val="1200"/>
-              </a:spcBef>
-              <a:spcAft>
-                <a:spcPts val="0"/>
-              </a:spcAft>
-              <a:buNone/>
-            </a:pPr>
             <a:r>
-              <a:rPr lang="en-GB" sz="1500">
+              <a:rPr lang="en-US" sz="1500" dirty="0" err="1">
                 <a:latin typeface="Arial"/>
                 <a:ea typeface="Arial"/>
                 <a:cs typeface="Arial"/>
                 <a:sym typeface="Arial"/>
               </a:rPr>
-              <a:t>It compresses the input file, then decompresses the compressed file back to its original form.</a:t>
+              <a:t>f.compress</a:t>
             </a:r>
-            <a:endParaRPr sz="1500">
-              <a:latin typeface="Arial"/>
-              <a:ea typeface="Arial"/>
-              <a:cs typeface="Arial"/>
-              <a:sym typeface="Arial"/>
-            </a:endParaRPr>
-          </a:p>
-          <a:p>
-            <a:pPr marL="0" lvl="0" indent="0" algn="l" rtl="0">
-              <a:spcBef>
-                <a:spcPts val="1200"/>
-              </a:spcBef>
-              <a:spcAft>
-                <a:spcPts val="1200"/>
-              </a:spcAft>
-              <a:buNone/>
-            </a:pPr>
-            <a:endParaRPr sz="1500">
+            <a:r>
+              <a:rPr lang="en-US" sz="1500" dirty="0">
+                <a:latin typeface="Arial"/>
+                <a:ea typeface="Arial"/>
+                <a:cs typeface="Arial"/>
+                <a:sym typeface="Arial"/>
+              </a:rPr>
+              <a:t>()`) and decompression (`</a:t>
+            </a:r>
+            <a:r>
+              <a:rPr lang="en-US" sz="1500" dirty="0" err="1">
+                <a:latin typeface="Arial"/>
+                <a:ea typeface="Arial"/>
+                <a:cs typeface="Arial"/>
+                <a:sym typeface="Arial"/>
+              </a:rPr>
+              <a:t>f.decompress</a:t>
+            </a:r>
+            <a:r>
+              <a:rPr lang="en-US" sz="1500" dirty="0">
+                <a:latin typeface="Arial"/>
+                <a:ea typeface="Arial"/>
+                <a:cs typeface="Arial"/>
+                <a:sym typeface="Arial"/>
+              </a:rPr>
+              <a:t>()`), each requiring the proper input and output file arguments.</a:t>
+            </a:r>
+            <a:endParaRPr sz="1500" dirty="0">
               <a:latin typeface="Arial"/>
               <a:ea typeface="Arial"/>
               <a:cs typeface="Arial"/>
@@ -19517,7 +19605,7 @@
               <a:buNone/>
             </a:pPr>
             <a:r>
-              <a:rPr lang="en-GB" sz="1400">
+              <a:rPr lang="en-GB" sz="1400" dirty="0">
                 <a:solidFill>
                   <a:srgbClr val="1F1F1F"/>
                 </a:solidFill>
@@ -19531,7 +19619,7 @@
               </a:rPr>
               <a:t>This research paper explores the potential of using Huffman encoding, a data compression technique, to improve the compression ratio of DNA sequences. </a:t>
             </a:r>
-            <a:endParaRPr sz="1400">
+            <a:endParaRPr sz="1400" dirty="0">
               <a:solidFill>
                 <a:srgbClr val="1F1F1F"/>
               </a:solidFill>
@@ -19555,7 +19643,7 @@
               <a:buNone/>
             </a:pPr>
             <a:r>
-              <a:rPr lang="en-GB" sz="1400">
+              <a:rPr lang="en-GB" sz="1400" dirty="0">
                 <a:solidFill>
                   <a:srgbClr val="1F1F1F"/>
                 </a:solidFill>
@@ -19569,7 +19657,7 @@
               </a:rPr>
               <a:t>It describes various methods of DNA sequence compression such as Standard Huffman coding, Unbalanced Huffman Tree and Multiple Huffman Coding.</a:t>
             </a:r>
-            <a:endParaRPr sz="1400">
+            <a:endParaRPr sz="1400" dirty="0">
               <a:solidFill>
                 <a:srgbClr val="1F1F1F"/>
               </a:solidFill>
@@ -19598,7 +19686,7 @@
               <a:buAutoNum type="arabicParenR"/>
             </a:pPr>
             <a:r>
-              <a:rPr lang="en-GB" sz="1400">
+              <a:rPr lang="en-GB" sz="1400" dirty="0">
                 <a:solidFill>
                   <a:srgbClr val="1F1F1F"/>
                 </a:solidFill>
@@ -19612,7 +19700,7 @@
               </a:rPr>
               <a:t>Standard Huffman Coding(SHT):uses a combination of run-length encoding (RLE) and Huffman coding with a focus on identifying frequently occurring substrings.</a:t>
             </a:r>
-            <a:endParaRPr sz="1400">
+            <a:endParaRPr sz="1400" dirty="0">
               <a:solidFill>
                 <a:srgbClr val="1F1F1F"/>
               </a:solidFill>
@@ -19641,7 +19729,7 @@
               <a:buAutoNum type="arabicParenR"/>
             </a:pPr>
             <a:r>
-              <a:rPr lang="en-GB" sz="1400">
+              <a:rPr lang="en-GB" sz="1400" dirty="0">
                 <a:solidFill>
                   <a:srgbClr val="1F1F1F"/>
                 </a:solidFill>
@@ -19655,7 +19743,7 @@
               </a:rPr>
               <a:t>Unbalanced Huffman Tree (UHT): It aims to achieve better compression compared to the standard Huffman Tree (SHT) for DNA data. UHT forces the resulting Huffman tree to be unbalanced. This approach aims to guarantee the encoding of three out of the four DNA bases using only two bits each, with the remaining base using three bits.</a:t>
             </a:r>
-            <a:endParaRPr sz="1400">
+            <a:endParaRPr sz="1400" dirty="0">
               <a:solidFill>
                 <a:srgbClr val="1F1F1F"/>
               </a:solidFill>
@@ -19684,7 +19772,7 @@
               <a:buAutoNum type="arabicParenR"/>
             </a:pPr>
             <a:r>
-              <a:rPr lang="en-GB" sz="1400">
+              <a:rPr lang="en-GB" sz="1400" dirty="0">
                 <a:solidFill>
                   <a:srgbClr val="1F1F1F"/>
                 </a:solidFill>
@@ -19699,7 +19787,7 @@
               <a:t>Multiple Huffman Coding(MSHT/MUHT): </a:t>
             </a:r>
             <a:r>
-              <a:rPr lang="en-GB" sz="1400">
+              <a:rPr lang="en-GB" sz="1400" dirty="0">
                 <a:solidFill>
                   <a:srgbClr val="1F1F1F"/>
                 </a:solidFill>
@@ -19713,7 +19801,7 @@
               </a:rPr>
               <a:t>The DNA sequence is split into smaller chunks using markers or partitions.</a:t>
             </a:r>
-            <a:endParaRPr sz="1400">
+            <a:endParaRPr sz="1400" dirty="0">
               <a:solidFill>
                 <a:srgbClr val="1F1F1F"/>
               </a:solidFill>
@@ -19736,7 +19824,7 @@
               </a:spcAft>
               <a:buNone/>
             </a:pPr>
-            <a:endParaRPr sz="1200">
+            <a:endParaRPr sz="1200" dirty="0">
               <a:solidFill>
                 <a:srgbClr val="1F1F1F"/>
               </a:solidFill>
@@ -19759,7 +19847,7 @@
               </a:spcAft>
               <a:buNone/>
             </a:pPr>
-            <a:endParaRPr sz="1200">
+            <a:endParaRPr sz="1200" dirty="0">
               <a:solidFill>
                 <a:srgbClr val="1F1F1F"/>
               </a:solidFill>
@@ -20578,7 +20666,7 @@
         </p:spPr>
         <p:txBody>
           <a:bodyPr spcFirstLastPara="1" wrap="square" lIns="91425" tIns="91425" rIns="91425" bIns="91425" anchor="t" anchorCtr="0">
-            <a:normAutofit fontScale="90000"/>
+            <a:normAutofit/>
           </a:bodyPr>
           <a:lstStyle/>
           <a:p>
@@ -20632,7 +20720,7 @@
         </p:spPr>
         <p:txBody>
           <a:bodyPr spcFirstLastPara="1" wrap="square" lIns="91425" tIns="91425" rIns="91425" bIns="91425" anchor="t" anchorCtr="0">
-            <a:normAutofit lnSpcReduction="20000"/>
+            <a:normAutofit fontScale="85000" lnSpcReduction="10000"/>
           </a:bodyPr>
           <a:lstStyle/>
           <a:p>
@@ -20646,7 +20734,7 @@
               <a:buNone/>
             </a:pPr>
             <a:r>
-              <a:rPr lang="en-GB" sz="1500" b="1" dirty="0">
+              <a:rPr lang="en-GB" sz="1900" b="1" dirty="0">
                 <a:latin typeface="Arial"/>
                 <a:ea typeface="Arial"/>
                 <a:cs typeface="Arial"/>
@@ -20654,7 +20742,7 @@
               </a:rPr>
               <a:t>Structs and Classes:</a:t>
             </a:r>
-            <a:endParaRPr sz="1500" b="1" dirty="0">
+            <a:endParaRPr sz="1900" b="1" dirty="0">
               <a:latin typeface="Arial"/>
               <a:ea typeface="Arial"/>
               <a:cs typeface="Arial"/>
@@ -20662,43 +20750,48 @@
             </a:endParaRPr>
           </a:p>
           <a:p>
-            <a:pPr marL="0" lvl="0" indent="0" algn="l" rtl="0">
+            <a:pPr marL="0" lvl="0" indent="0">
               <a:spcBef>
                 <a:spcPts val="1200"/>
               </a:spcBef>
-              <a:spcAft>
-                <a:spcPts val="0"/>
-              </a:spcAft>
               <a:buNone/>
             </a:pPr>
             <a:r>
-              <a:rPr lang="en-GB" sz="1500" dirty="0">
+              <a:rPr lang="en-US" sz="1700" dirty="0">
                 <a:latin typeface="Arial"/>
                 <a:ea typeface="Arial"/>
                 <a:cs typeface="Arial"/>
                 <a:sym typeface="Arial"/>
               </a:rPr>
-              <a:t>Tree struct defines a node in the Huffman tree. It stores the frequency of a character and pointers to its left and right children.</a:t>
+              <a:t>The ‘Node’ struct defines a node in the Huffman tree, storing the character, its frequency, code, and pointers to its left and right children.</a:t>
             </a:r>
-            <a:endParaRPr sz="1500" dirty="0">
-              <a:latin typeface="Arial"/>
-              <a:ea typeface="Arial"/>
-              <a:cs typeface="Arial"/>
-              <a:sym typeface="Arial"/>
-            </a:endParaRPr>
           </a:p>
           <a:p>
-            <a:pPr marL="0" lvl="0" indent="0" algn="l" rtl="0">
+            <a:pPr marL="0" lvl="0" indent="0">
               <a:spcBef>
                 <a:spcPts val="1200"/>
               </a:spcBef>
-              <a:spcAft>
-                <a:spcPts val="0"/>
-              </a:spcAft>
               <a:buNone/>
             </a:pPr>
             <a:r>
-              <a:rPr lang="en-GB" sz="1500" dirty="0" err="1">
+              <a:rPr lang="en-US" sz="1700" dirty="0">
+                <a:latin typeface="Arial"/>
+                <a:ea typeface="Arial"/>
+                <a:cs typeface="Arial"/>
+                <a:sym typeface="Arial"/>
+              </a:rPr>
+              <a:t> The ‘Compare’ class is used to compare two ‘Node’ pointers based on their frequencies and is used in the priority queue to ensure the node with the lowest frequency is at the front.</a:t>
+            </a:r>
+          </a:p>
+          <a:p>
+            <a:pPr marL="0" lvl="0" indent="0">
+              <a:spcBef>
+                <a:spcPts val="1200"/>
+              </a:spcBef>
+              <a:buNone/>
+            </a:pPr>
+            <a:r>
+              <a:rPr lang="en-GB" sz="1700" dirty="0" err="1">
                 <a:latin typeface="Arial"/>
                 <a:ea typeface="Arial"/>
                 <a:cs typeface="Arial"/>
@@ -20707,7 +20800,7 @@
               <a:t>TreeComparator</a:t>
             </a:r>
             <a:r>
-              <a:rPr lang="en-GB" sz="1500" dirty="0">
+              <a:rPr lang="en-GB" sz="1700" dirty="0">
                 <a:latin typeface="Arial"/>
                 <a:ea typeface="Arial"/>
                 <a:cs typeface="Arial"/>
@@ -20715,7 +20808,7 @@
               </a:rPr>
               <a:t> is a function used to compare two Tree nodes based on their frequencies. It's used in the priority queue to ensure that the node with the lowest frequency is at the front.</a:t>
             </a:r>
-            <a:endParaRPr sz="1500" dirty="0">
+            <a:endParaRPr sz="1700" dirty="0">
               <a:latin typeface="Arial"/>
               <a:ea typeface="Arial"/>
               <a:cs typeface="Arial"/>
@@ -20749,103 +20842,74 @@
             </a:endParaRPr>
           </a:p>
           <a:p>
-            <a:pPr marL="0" lvl="0" indent="0" algn="l" rtl="0">
+            <a:pPr marL="0" lvl="0" indent="0">
               <a:spcBef>
                 <a:spcPts val="1200"/>
               </a:spcBef>
-              <a:spcAft>
-                <a:spcPts val="0"/>
-              </a:spcAft>
               <a:buNone/>
             </a:pPr>
             <a:r>
-              <a:rPr lang="en-GB" sz="1500" dirty="0">
+              <a:rPr lang="en-US" sz="1500" dirty="0">
                 <a:latin typeface="Arial"/>
                 <a:ea typeface="Arial"/>
                 <a:cs typeface="Arial"/>
                 <a:sym typeface="Arial"/>
               </a:rPr>
-              <a:t>The </a:t>
+              <a:t>The ‘</a:t>
             </a:r>
             <a:r>
-              <a:rPr lang="en-GB" sz="1500" dirty="0" err="1">
+              <a:rPr lang="en-US" sz="1500" dirty="0" err="1">
                 <a:latin typeface="Arial"/>
                 <a:ea typeface="Arial"/>
                 <a:cs typeface="Arial"/>
                 <a:sym typeface="Arial"/>
               </a:rPr>
-              <a:t>buildHuffmanTree</a:t>
+              <a:t>createMinHeap</a:t>
             </a:r>
             <a:r>
-              <a:rPr lang="en-GB" sz="1500" dirty="0">
+              <a:rPr lang="en-US" sz="1500" dirty="0">
                 <a:latin typeface="Arial"/>
                 <a:ea typeface="Arial"/>
                 <a:cs typeface="Arial"/>
                 <a:sym typeface="Arial"/>
               </a:rPr>
-              <a:t> function takes a frequency table (a vector of pairs mapping characters to their frequencies) and constructs a Huffman tree.</a:t>
+              <a:t>()’ function reads the input file and counts the frequency of each character, pushing relevant nodes into a min-heap (priority queue).</a:t>
             </a:r>
-            <a:endParaRPr sz="1500" dirty="0">
-              <a:latin typeface="Arial"/>
-              <a:ea typeface="Arial"/>
-              <a:cs typeface="Arial"/>
-              <a:sym typeface="Arial"/>
-            </a:endParaRPr>
           </a:p>
           <a:p>
-            <a:pPr marL="0" lvl="0" indent="0" algn="l" rtl="0">
+            <a:pPr marL="0" lvl="0" indent="0">
               <a:spcBef>
                 <a:spcPts val="1200"/>
               </a:spcBef>
-              <a:spcAft>
-                <a:spcPts val="0"/>
-              </a:spcAft>
               <a:buNone/>
             </a:pPr>
             <a:r>
-              <a:rPr lang="en-GB" sz="1500" dirty="0">
+              <a:rPr lang="en-US" sz="1500" dirty="0">
                 <a:latin typeface="Arial"/>
                 <a:ea typeface="Arial"/>
                 <a:cs typeface="Arial"/>
                 <a:sym typeface="Arial"/>
               </a:rPr>
-              <a:t>It uses a priority queue (</a:t>
+              <a:t>The ‘</a:t>
             </a:r>
             <a:r>
-              <a:rPr lang="en-GB" sz="1500" dirty="0" err="1">
+              <a:rPr lang="en-US" sz="1500" dirty="0" err="1">
                 <a:latin typeface="Arial"/>
                 <a:ea typeface="Arial"/>
                 <a:cs typeface="Arial"/>
                 <a:sym typeface="Arial"/>
               </a:rPr>
-              <a:t>huffqueue</a:t>
+              <a:t>createTree</a:t>
             </a:r>
             <a:r>
-              <a:rPr lang="en-GB" sz="1500" dirty="0">
+              <a:rPr lang="en-US" sz="1500" dirty="0">
                 <a:latin typeface="Arial"/>
                 <a:ea typeface="Arial"/>
                 <a:cs typeface="Arial"/>
                 <a:sym typeface="Arial"/>
               </a:rPr>
-              <a:t>) to keep track of intermediate trees. It repeatedly pops the two lowest frequency trees, combines them into a new tree, and pushes it back into the queue until only one tree remains.</a:t>
+              <a:t>()’ function builds the Huffman tree by repeatedly combining the two lowest-frequency nodes from the min-heap until only the root remains.</a:t>
             </a:r>
-            <a:endParaRPr sz="1500" dirty="0">
-              <a:latin typeface="Arial"/>
-              <a:ea typeface="Arial"/>
-              <a:cs typeface="Arial"/>
-              <a:sym typeface="Arial"/>
-            </a:endParaRPr>
-          </a:p>
-          <a:p>
-            <a:pPr marL="0" lvl="0" indent="0" algn="l" rtl="0">
-              <a:spcBef>
-                <a:spcPts val="1200"/>
-              </a:spcBef>
-              <a:spcAft>
-                <a:spcPts val="1200"/>
-              </a:spcAft>
-              <a:buNone/>
-            </a:pPr>
             <a:endParaRPr dirty="0"/>
           </a:p>
         </p:txBody>
